--- a/Module 3 - Machine Learning Workflow/3.3.6.underfitting-and-overfitting.1.pptx
+++ b/Module 3 - Machine Learning Workflow/3.3.6.underfitting-and-overfitting.1.pptx
@@ -247,7 +247,7 @@
   </p:defaultTextStyle>
   <p:extLst>
     <p:ext uri="{EFAFB233-063F-42B5-8137-9DF3F51BA10A}">
-      <p15:sldGuideLst xmlns:ahyp="http://schemas.microsoft.com/office/drawing/2018/hyperlinkcolor" xmlns:p15="http://schemas.microsoft.com/office/powerpoint/2012/main" xmlns:p14="http://schemas.microsoft.com/office/powerpoint/2010/main" xmlns:com="http://schemas.openxmlformats.org/drawingml/2006/compatibility" xmlns:pvml="urn:schemas-microsoft-com:office:powerpoint" xmlns:v="urn:schemas-microsoft-com:vml" xmlns:o="urn:schemas-microsoft-com:office:office" xmlns:dgm="http://schemas.openxmlformats.org/drawingml/2006/diagram" xmlns:c="http://schemas.openxmlformats.org/drawingml/2006/chart" xmlns:mv="urn:schemas-microsoft-com:mac:vml" xmlns:mc="http://schemas.openxmlformats.org/markup-compatibility/2006" xmlns="">
+      <p15:sldGuideLst xmlns:p15="http://schemas.microsoft.com/office/powerpoint/2012/main">
         <p15:guide id="1" orient="horz" pos="3240">
           <p15:clr>
             <a:srgbClr val="A4A3A4"/>
@@ -1631,10 +1631,9 @@
           <a:lstStyle/>
           <a:p>
             <a:r>
-              <a:rPr lang="en-US" smtClean="0"/>
+              <a:rPr lang="en-US"/>
               <a:t>© 2021 EdgeImpulse, Inc.</a:t>
             </a:r>
-            <a:endParaRPr lang="en-US"/>
           </a:p>
         </p:txBody>
       </p:sp>
@@ -2027,10 +2026,9 @@
           <a:lstStyle/>
           <a:p>
             <a:r>
-              <a:rPr lang="en-US" smtClean="0"/>
+              <a:rPr lang="en-US"/>
               <a:t>© 2021 EdgeImpulse, Inc.</a:t>
             </a:r>
-            <a:endParaRPr lang="en-US"/>
           </a:p>
         </p:txBody>
       </p:sp>
@@ -2163,10 +2161,9 @@
           <a:lstStyle/>
           <a:p>
             <a:r>
-              <a:rPr lang="en-US" smtClean="0"/>
+              <a:rPr lang="en-US"/>
               <a:t>© 2021 EdgeImpulse, Inc.</a:t>
             </a:r>
-            <a:endParaRPr lang="en-US"/>
           </a:p>
         </p:txBody>
       </p:sp>
@@ -2428,10 +2425,9 @@
           <a:lstStyle/>
           <a:p>
             <a:r>
-              <a:rPr lang="en-US" smtClean="0"/>
+              <a:rPr lang="en-US"/>
               <a:t>© 2021 EdgeImpulse, Inc.</a:t>
             </a:r>
-            <a:endParaRPr lang="en-US"/>
           </a:p>
         </p:txBody>
       </p:sp>
@@ -2822,10 +2818,9 @@
           <a:lstStyle/>
           <a:p>
             <a:r>
-              <a:rPr lang="en-US" smtClean="0"/>
+              <a:rPr lang="en-US"/>
               <a:t>© 2021 EdgeImpulse, Inc.</a:t>
             </a:r>
-            <a:endParaRPr lang="en-US"/>
           </a:p>
         </p:txBody>
       </p:sp>
@@ -3345,10 +3340,9 @@
           <a:lstStyle/>
           <a:p>
             <a:r>
-              <a:rPr lang="en-US" smtClean="0"/>
+              <a:rPr lang="en-US"/>
               <a:t>© 2021 EdgeImpulse, Inc.</a:t>
             </a:r>
-            <a:endParaRPr lang="en-US"/>
           </a:p>
         </p:txBody>
       </p:sp>
@@ -3610,10 +3604,9 @@
           <a:lstStyle/>
           <a:p>
             <a:r>
-              <a:rPr lang="en-US" smtClean="0"/>
+              <a:rPr lang="en-US"/>
               <a:t>© 2021 EdgeImpulse, Inc.</a:t>
             </a:r>
-            <a:endParaRPr lang="en-US"/>
           </a:p>
         </p:txBody>
       </p:sp>
@@ -4004,10 +3997,9 @@
           <a:lstStyle/>
           <a:p>
             <a:r>
-              <a:rPr lang="en-US" smtClean="0"/>
+              <a:rPr lang="en-US"/>
               <a:t>© 2021 EdgeImpulse, Inc.</a:t>
             </a:r>
-            <a:endParaRPr lang="en-US"/>
           </a:p>
         </p:txBody>
       </p:sp>
@@ -4269,10 +4261,9 @@
           <a:lstStyle/>
           <a:p>
             <a:r>
-              <a:rPr lang="en-US" smtClean="0"/>
+              <a:rPr lang="en-US"/>
               <a:t>© 2021 EdgeImpulse, Inc.</a:t>
             </a:r>
-            <a:endParaRPr lang="en-US"/>
           </a:p>
         </p:txBody>
       </p:sp>
@@ -4859,10 +4850,9 @@
           <a:lstStyle/>
           <a:p>
             <a:r>
-              <a:rPr lang="en-US" smtClean="0"/>
+              <a:rPr lang="en-US"/>
               <a:t>© 2021 EdgeImpulse, Inc.</a:t>
             </a:r>
-            <a:endParaRPr lang="en-US"/>
           </a:p>
         </p:txBody>
       </p:sp>
@@ -5039,10 +5029,9 @@
           <a:lstStyle/>
           <a:p>
             <a:r>
-              <a:rPr lang="en-US" smtClean="0"/>
+              <a:rPr lang="en-US"/>
               <a:t>© 2021 EdgeImpulse, Inc.</a:t>
             </a:r>
-            <a:endParaRPr lang="en-US"/>
           </a:p>
         </p:txBody>
       </p:sp>
@@ -5660,10 +5649,9 @@
           </a:lstStyle>
           <a:p>
             <a:r>
-              <a:rPr lang="en-US" smtClean="0"/>
+              <a:rPr lang="en-US"/>
               <a:t>© 2021 EdgeImpulse, Inc.</a:t>
             </a:r>
-            <a:endParaRPr lang="en-US"/>
           </a:p>
         </p:txBody>
       </p:sp>
@@ -5683,13 +5671,13 @@
     <p:sldLayoutId id="2147483657" r:id="rId10"/>
     <p:sldLayoutId id="2147483658" r:id="rId11"/>
   </p:sldLayoutIdLst>
-  <mc:AlternateContent xmlns:mc="http://schemas.openxmlformats.org/markup-compatibility/2006">
-    <mc:Choice xmlns:ahyp="http://schemas.microsoft.com/office/drawing/2018/hyperlinkcolor" xmlns:p15="http://schemas.microsoft.com/office/powerpoint/2012/main" xmlns:p14="http://schemas.microsoft.com/office/powerpoint/2010/main" xmlns:com="http://schemas.openxmlformats.org/drawingml/2006/compatibility" xmlns:pvml="urn:schemas-microsoft-com:office:powerpoint" xmlns:v="urn:schemas-microsoft-com:vml" xmlns:o="urn:schemas-microsoft-com:office:office" xmlns:dgm="http://schemas.openxmlformats.org/drawingml/2006/diagram" xmlns:c="http://schemas.openxmlformats.org/drawingml/2006/chart" xmlns:mv="urn:schemas-microsoft-com:mac:vml" xmlns="" Requires="p14">
-      <p:transition spd="slow" p14:dur="1000">
+  <mc:AlternateContent xmlns:mc="http://schemas.openxmlformats.org/markup-compatibility/2006" xmlns:p14="http://schemas.microsoft.com/office/powerpoint/2010/main">
+    <mc:Choice Requires="p14">
+      <p:transition spd="slow">
         <p:fade/>
       </p:transition>
     </mc:Choice>
-    <mc:Fallback>
+    <mc:Fallback xmlns="">
       <p:transition spd="slow">
         <p:fade/>
       </p:transition>
@@ -6434,13 +6422,15 @@
       <p:cxnSp>
         <p:nvCxnSpPr>
           <p:cNvPr id="55" name="Google Shape;55;p13"/>
-          <p:cNvCxnSpPr/>
+          <p:cNvCxnSpPr>
+            <a:cxnSpLocks/>
+          </p:cNvCxnSpPr>
           <p:nvPr/>
         </p:nvCxnSpPr>
         <p:spPr>
           <a:xfrm>
-            <a:off x="3496948" y="4365394"/>
-            <a:ext cx="0" cy="4054200"/>
+            <a:off x="1674525" y="6576279"/>
+            <a:ext cx="4102161" cy="0"/>
           </a:xfrm>
           <a:prstGeom prst="straightConnector1">
             <a:avLst/>
@@ -7711,32 +7701,6 @@
           </a:ln>
         </p:spPr>
       </p:cxnSp>
-      <p:cxnSp>
-        <p:nvCxnSpPr>
-          <p:cNvPr id="83" name="Google Shape;83;p13"/>
-          <p:cNvCxnSpPr/>
-          <p:nvPr/>
-        </p:nvCxnSpPr>
-        <p:spPr>
-          <a:xfrm>
-            <a:off x="8650385" y="4365394"/>
-            <a:ext cx="0" cy="4054200"/>
-          </a:xfrm>
-          <a:prstGeom prst="straightConnector1">
-            <a:avLst/>
-          </a:prstGeom>
-          <a:noFill/>
-          <a:ln w="38100" cap="flat" cmpd="sng">
-            <a:solidFill>
-              <a:schemeClr val="dk2"/>
-            </a:solidFill>
-            <a:prstDash val="solid"/>
-            <a:round/>
-            <a:headEnd type="none" w="med" len="med"/>
-            <a:tailEnd type="none" w="med" len="med"/>
-          </a:ln>
-        </p:spPr>
-      </p:cxnSp>
       <p:sp>
         <p:nvSpPr>
           <p:cNvPr id="84" name="Google Shape;84;p13"/>
@@ -8974,32 +8938,6 @@
         <p:spPr>
           <a:xfrm>
             <a:off x="12457575" y="2681108"/>
-            <a:ext cx="0" cy="4054200"/>
-          </a:xfrm>
-          <a:prstGeom prst="straightConnector1">
-            <a:avLst/>
-          </a:prstGeom>
-          <a:noFill/>
-          <a:ln w="38100" cap="flat" cmpd="sng">
-            <a:solidFill>
-              <a:schemeClr val="dk2"/>
-            </a:solidFill>
-            <a:prstDash val="solid"/>
-            <a:round/>
-            <a:headEnd type="none" w="med" len="med"/>
-            <a:tailEnd type="none" w="med" len="med"/>
-          </a:ln>
-        </p:spPr>
-      </p:cxnSp>
-      <p:cxnSp>
-        <p:nvCxnSpPr>
-          <p:cNvPr id="111" name="Google Shape;111;p13"/>
-          <p:cNvCxnSpPr/>
-          <p:nvPr/>
-        </p:nvCxnSpPr>
-        <p:spPr>
-          <a:xfrm>
-            <a:off x="14117548" y="4365394"/>
             <a:ext cx="0" cy="4054200"/>
           </a:xfrm>
           <a:prstGeom prst="straightConnector1">
@@ -10641,13 +10579,80 @@
           <a:lstStyle/>
           <a:p>
             <a:r>
-              <a:rPr lang="en-US" smtClean="0"/>
+              <a:rPr lang="en-US"/>
               <a:t>© 2021 EdgeImpulse, Inc.</a:t>
             </a:r>
-            <a:endParaRPr lang="en-US"/>
-          </a:p>
-        </p:txBody>
-      </p:sp>
+          </a:p>
+        </p:txBody>
+      </p:sp>
+      <p:cxnSp>
+        <p:nvCxnSpPr>
+          <p:cNvPr id="146" name="Google Shape;55;p13">
+            <a:extLst>
+              <a:ext uri="{FF2B5EF4-FFF2-40B4-BE49-F238E27FC236}">
+                <a16:creationId xmlns:a16="http://schemas.microsoft.com/office/drawing/2014/main" id="{F73A9ADD-35DB-4672-A553-D81BDF38CA4E}"/>
+              </a:ext>
+            </a:extLst>
+          </p:cNvPr>
+          <p:cNvCxnSpPr>
+            <a:cxnSpLocks/>
+          </p:cNvCxnSpPr>
+          <p:nvPr/>
+        </p:nvCxnSpPr>
+        <p:spPr>
+          <a:xfrm>
+            <a:off x="6830787" y="6576279"/>
+            <a:ext cx="4102161" cy="0"/>
+          </a:xfrm>
+          <a:prstGeom prst="straightConnector1">
+            <a:avLst/>
+          </a:prstGeom>
+          <a:noFill/>
+          <a:ln w="38100" cap="flat" cmpd="sng">
+            <a:solidFill>
+              <a:schemeClr val="dk2"/>
+            </a:solidFill>
+            <a:prstDash val="solid"/>
+            <a:round/>
+            <a:headEnd type="none" w="med" len="med"/>
+            <a:tailEnd type="none" w="med" len="med"/>
+          </a:ln>
+        </p:spPr>
+      </p:cxnSp>
+      <p:cxnSp>
+        <p:nvCxnSpPr>
+          <p:cNvPr id="147" name="Google Shape;55;p13">
+            <a:extLst>
+              <a:ext uri="{FF2B5EF4-FFF2-40B4-BE49-F238E27FC236}">
+                <a16:creationId xmlns:a16="http://schemas.microsoft.com/office/drawing/2014/main" id="{C0BDE2E2-436F-4C0E-B119-6BC9368DF528}"/>
+              </a:ext>
+            </a:extLst>
+          </p:cNvPr>
+          <p:cNvCxnSpPr>
+            <a:cxnSpLocks/>
+          </p:cNvCxnSpPr>
+          <p:nvPr/>
+        </p:nvCxnSpPr>
+        <p:spPr>
+          <a:xfrm>
+            <a:off x="12245385" y="6576279"/>
+            <a:ext cx="4102161" cy="0"/>
+          </a:xfrm>
+          <a:prstGeom prst="straightConnector1">
+            <a:avLst/>
+          </a:prstGeom>
+          <a:noFill/>
+          <a:ln w="38100" cap="flat" cmpd="sng">
+            <a:solidFill>
+              <a:schemeClr val="dk2"/>
+            </a:solidFill>
+            <a:prstDash val="solid"/>
+            <a:round/>
+            <a:headEnd type="none" w="med" len="med"/>
+            <a:tailEnd type="none" w="med" len="med"/>
+          </a:ln>
+        </p:spPr>
+      </p:cxnSp>
     </p:spTree>
   </p:cSld>
   <p:clrMapOvr>
@@ -11089,32 +11094,6 @@
           </a:ln>
         </p:spPr>
       </p:cxnSp>
-      <p:cxnSp>
-        <p:nvCxnSpPr>
-          <p:cNvPr id="151" name="Google Shape;151;p14"/>
-          <p:cNvCxnSpPr/>
-          <p:nvPr/>
-        </p:nvCxnSpPr>
-        <p:spPr>
-          <a:xfrm>
-            <a:off x="3484160" y="4365382"/>
-            <a:ext cx="0" cy="4054200"/>
-          </a:xfrm>
-          <a:prstGeom prst="straightConnector1">
-            <a:avLst/>
-          </a:prstGeom>
-          <a:noFill/>
-          <a:ln w="38100" cap="flat" cmpd="sng">
-            <a:solidFill>
-              <a:schemeClr val="dk2"/>
-            </a:solidFill>
-            <a:prstDash val="solid"/>
-            <a:round/>
-            <a:headEnd type="none" w="med" len="med"/>
-            <a:tailEnd type="none" w="med" len="med"/>
-          </a:ln>
-        </p:spPr>
-      </p:cxnSp>
       <p:sp>
         <p:nvSpPr>
           <p:cNvPr id="152" name="Google Shape;152;p14"/>
@@ -11539,32 +11518,6 @@
           </a:ln>
         </p:spPr>
       </p:cxnSp>
-      <p:cxnSp>
-        <p:nvCxnSpPr>
-          <p:cNvPr id="163" name="Google Shape;163;p14"/>
-          <p:cNvCxnSpPr/>
-          <p:nvPr/>
-        </p:nvCxnSpPr>
-        <p:spPr>
-          <a:xfrm>
-            <a:off x="8645523" y="4365394"/>
-            <a:ext cx="0" cy="4054200"/>
-          </a:xfrm>
-          <a:prstGeom prst="straightConnector1">
-            <a:avLst/>
-          </a:prstGeom>
-          <a:noFill/>
-          <a:ln w="38100" cap="flat" cmpd="sng">
-            <a:solidFill>
-              <a:schemeClr val="dk2"/>
-            </a:solidFill>
-            <a:prstDash val="solid"/>
-            <a:round/>
-            <a:headEnd type="none" w="med" len="med"/>
-            <a:tailEnd type="none" w="med" len="med"/>
-          </a:ln>
-        </p:spPr>
-      </p:cxnSp>
       <p:sp>
         <p:nvSpPr>
           <p:cNvPr id="164" name="Google Shape;164;p14"/>
@@ -11972,32 +11925,6 @@
         <p:spPr>
           <a:xfrm>
             <a:off x="12461113" y="2688546"/>
-            <a:ext cx="0" cy="4054200"/>
-          </a:xfrm>
-          <a:prstGeom prst="straightConnector1">
-            <a:avLst/>
-          </a:prstGeom>
-          <a:noFill/>
-          <a:ln w="38100" cap="flat" cmpd="sng">
-            <a:solidFill>
-              <a:schemeClr val="dk2"/>
-            </a:solidFill>
-            <a:prstDash val="solid"/>
-            <a:round/>
-            <a:headEnd type="none" w="med" len="med"/>
-            <a:tailEnd type="none" w="med" len="med"/>
-          </a:ln>
-        </p:spPr>
-      </p:cxnSp>
-      <p:cxnSp>
-        <p:nvCxnSpPr>
-          <p:cNvPr id="175" name="Google Shape;175;p14"/>
-          <p:cNvCxnSpPr/>
-          <p:nvPr/>
-        </p:nvCxnSpPr>
-        <p:spPr>
-          <a:xfrm>
-            <a:off x="14121085" y="4372832"/>
             <a:ext cx="0" cy="4054200"/>
           </a:xfrm>
           <a:prstGeom prst="straightConnector1">
@@ -12577,13 +12504,114 @@
           <a:lstStyle/>
           <a:p>
             <a:r>
-              <a:rPr lang="en-US" smtClean="0"/>
+              <a:rPr lang="en-US"/>
               <a:t>© 2021 EdgeImpulse, Inc.</a:t>
             </a:r>
-            <a:endParaRPr lang="en-US"/>
-          </a:p>
-        </p:txBody>
-      </p:sp>
+          </a:p>
+        </p:txBody>
+      </p:sp>
+      <p:cxnSp>
+        <p:nvCxnSpPr>
+          <p:cNvPr id="43" name="Google Shape;55;p13">
+            <a:extLst>
+              <a:ext uri="{FF2B5EF4-FFF2-40B4-BE49-F238E27FC236}">
+                <a16:creationId xmlns:a16="http://schemas.microsoft.com/office/drawing/2014/main" id="{3381EE5E-435C-449C-9E80-5903F984494A}"/>
+              </a:ext>
+            </a:extLst>
+          </p:cNvPr>
+          <p:cNvCxnSpPr>
+            <a:cxnSpLocks/>
+          </p:cNvCxnSpPr>
+          <p:nvPr/>
+        </p:nvCxnSpPr>
+        <p:spPr>
+          <a:xfrm>
+            <a:off x="1674525" y="6576279"/>
+            <a:ext cx="4102161" cy="0"/>
+          </a:xfrm>
+          <a:prstGeom prst="straightConnector1">
+            <a:avLst/>
+          </a:prstGeom>
+          <a:noFill/>
+          <a:ln w="38100" cap="flat" cmpd="sng">
+            <a:solidFill>
+              <a:schemeClr val="dk2"/>
+            </a:solidFill>
+            <a:prstDash val="solid"/>
+            <a:round/>
+            <a:headEnd type="none" w="med" len="med"/>
+            <a:tailEnd type="none" w="med" len="med"/>
+          </a:ln>
+        </p:spPr>
+      </p:cxnSp>
+      <p:cxnSp>
+        <p:nvCxnSpPr>
+          <p:cNvPr id="44" name="Google Shape;55;p13">
+            <a:extLst>
+              <a:ext uri="{FF2B5EF4-FFF2-40B4-BE49-F238E27FC236}">
+                <a16:creationId xmlns:a16="http://schemas.microsoft.com/office/drawing/2014/main" id="{CAD0CF5B-CC94-4572-AC78-02B1BAAA64CA}"/>
+              </a:ext>
+            </a:extLst>
+          </p:cNvPr>
+          <p:cNvCxnSpPr>
+            <a:cxnSpLocks/>
+          </p:cNvCxnSpPr>
+          <p:nvPr/>
+        </p:nvCxnSpPr>
+        <p:spPr>
+          <a:xfrm>
+            <a:off x="6830787" y="6576279"/>
+            <a:ext cx="4102161" cy="0"/>
+          </a:xfrm>
+          <a:prstGeom prst="straightConnector1">
+            <a:avLst/>
+          </a:prstGeom>
+          <a:noFill/>
+          <a:ln w="38100" cap="flat" cmpd="sng">
+            <a:solidFill>
+              <a:schemeClr val="dk2"/>
+            </a:solidFill>
+            <a:prstDash val="solid"/>
+            <a:round/>
+            <a:headEnd type="none" w="med" len="med"/>
+            <a:tailEnd type="none" w="med" len="med"/>
+          </a:ln>
+        </p:spPr>
+      </p:cxnSp>
+      <p:cxnSp>
+        <p:nvCxnSpPr>
+          <p:cNvPr id="45" name="Google Shape;55;p13">
+            <a:extLst>
+              <a:ext uri="{FF2B5EF4-FFF2-40B4-BE49-F238E27FC236}">
+                <a16:creationId xmlns:a16="http://schemas.microsoft.com/office/drawing/2014/main" id="{68A91403-1AC6-4507-AF62-FCE6251C0677}"/>
+              </a:ext>
+            </a:extLst>
+          </p:cNvPr>
+          <p:cNvCxnSpPr>
+            <a:cxnSpLocks/>
+          </p:cNvCxnSpPr>
+          <p:nvPr/>
+        </p:nvCxnSpPr>
+        <p:spPr>
+          <a:xfrm>
+            <a:off x="12245385" y="6576279"/>
+            <a:ext cx="4102161" cy="0"/>
+          </a:xfrm>
+          <a:prstGeom prst="straightConnector1">
+            <a:avLst/>
+          </a:prstGeom>
+          <a:noFill/>
+          <a:ln w="38100" cap="flat" cmpd="sng">
+            <a:solidFill>
+              <a:schemeClr val="dk2"/>
+            </a:solidFill>
+            <a:prstDash val="solid"/>
+            <a:round/>
+            <a:headEnd type="none" w="med" len="med"/>
+            <a:tailEnd type="none" w="med" len="med"/>
+          </a:ln>
+        </p:spPr>
+      </p:cxnSp>
     </p:spTree>
   </p:cSld>
   <p:clrMapOvr>
@@ -12660,32 +12688,6 @@
         <p:spPr>
           <a:xfrm>
             <a:off x="1824188" y="2681096"/>
-            <a:ext cx="0" cy="4054200"/>
-          </a:xfrm>
-          <a:prstGeom prst="straightConnector1">
-            <a:avLst/>
-          </a:prstGeom>
-          <a:noFill/>
-          <a:ln w="38100" cap="flat" cmpd="sng">
-            <a:solidFill>
-              <a:schemeClr val="dk2"/>
-            </a:solidFill>
-            <a:prstDash val="solid"/>
-            <a:round/>
-            <a:headEnd type="none" w="med" len="med"/>
-            <a:tailEnd type="none" w="med" len="med"/>
-          </a:ln>
-        </p:spPr>
-      </p:cxnSp>
-      <p:cxnSp>
-        <p:nvCxnSpPr>
-          <p:cNvPr id="195" name="Google Shape;195;p15"/>
-          <p:cNvCxnSpPr/>
-          <p:nvPr/>
-        </p:nvCxnSpPr>
-        <p:spPr>
-          <a:xfrm>
-            <a:off x="3484160" y="4365382"/>
             <a:ext cx="0" cy="4054200"/>
           </a:xfrm>
           <a:prstGeom prst="straightConnector1">
@@ -13085,32 +13087,6 @@
           </a:ln>
         </p:spPr>
       </p:cxnSp>
-      <p:cxnSp>
-        <p:nvCxnSpPr>
-          <p:cNvPr id="206" name="Google Shape;206;p15"/>
-          <p:cNvCxnSpPr/>
-          <p:nvPr/>
-        </p:nvCxnSpPr>
-        <p:spPr>
-          <a:xfrm>
-            <a:off x="8645523" y="4365394"/>
-            <a:ext cx="0" cy="4054200"/>
-          </a:xfrm>
-          <a:prstGeom prst="straightConnector1">
-            <a:avLst/>
-          </a:prstGeom>
-          <a:noFill/>
-          <a:ln w="38100" cap="flat" cmpd="sng">
-            <a:solidFill>
-              <a:schemeClr val="dk2"/>
-            </a:solidFill>
-            <a:prstDash val="solid"/>
-            <a:round/>
-            <a:headEnd type="none" w="med" len="med"/>
-            <a:tailEnd type="none" w="med" len="med"/>
-          </a:ln>
-        </p:spPr>
-      </p:cxnSp>
       <p:sp>
         <p:nvSpPr>
           <p:cNvPr id="207" name="Google Shape;207;p15"/>
@@ -13382,32 +13358,6 @@
         <p:spPr>
           <a:xfrm>
             <a:off x="12461113" y="2688546"/>
-            <a:ext cx="0" cy="4054200"/>
-          </a:xfrm>
-          <a:prstGeom prst="straightConnector1">
-            <a:avLst/>
-          </a:prstGeom>
-          <a:noFill/>
-          <a:ln w="38100" cap="flat" cmpd="sng">
-            <a:solidFill>
-              <a:schemeClr val="dk2"/>
-            </a:solidFill>
-            <a:prstDash val="solid"/>
-            <a:round/>
-            <a:headEnd type="none" w="med" len="med"/>
-            <a:tailEnd type="none" w="med" len="med"/>
-          </a:ln>
-        </p:spPr>
-      </p:cxnSp>
-      <p:cxnSp>
-        <p:nvCxnSpPr>
-          <p:cNvPr id="215" name="Google Shape;215;p15"/>
-          <p:cNvCxnSpPr/>
-          <p:nvPr/>
-        </p:nvCxnSpPr>
-        <p:spPr>
-          <a:xfrm>
-            <a:off x="14121085" y="4372832"/>
             <a:ext cx="0" cy="4054200"/>
           </a:xfrm>
           <a:prstGeom prst="straightConnector1">
@@ -14039,13 +13989,114 @@
           <a:lstStyle/>
           <a:p>
             <a:r>
-              <a:rPr lang="en-US" smtClean="0"/>
+              <a:rPr lang="en-US"/>
               <a:t>© 2021 EdgeImpulse, Inc.</a:t>
             </a:r>
-            <a:endParaRPr lang="en-US"/>
-          </a:p>
-        </p:txBody>
-      </p:sp>
+          </a:p>
+        </p:txBody>
+      </p:sp>
+      <p:cxnSp>
+        <p:nvCxnSpPr>
+          <p:cNvPr id="40" name="Google Shape;55;p13">
+            <a:extLst>
+              <a:ext uri="{FF2B5EF4-FFF2-40B4-BE49-F238E27FC236}">
+                <a16:creationId xmlns:a16="http://schemas.microsoft.com/office/drawing/2014/main" id="{FBCB152A-DFFA-41F4-9F91-717DC9B26F3C}"/>
+              </a:ext>
+            </a:extLst>
+          </p:cNvPr>
+          <p:cNvCxnSpPr>
+            <a:cxnSpLocks/>
+          </p:cNvCxnSpPr>
+          <p:nvPr/>
+        </p:nvCxnSpPr>
+        <p:spPr>
+          <a:xfrm>
+            <a:off x="1674525" y="6576279"/>
+            <a:ext cx="4102161" cy="0"/>
+          </a:xfrm>
+          <a:prstGeom prst="straightConnector1">
+            <a:avLst/>
+          </a:prstGeom>
+          <a:noFill/>
+          <a:ln w="38100" cap="flat" cmpd="sng">
+            <a:solidFill>
+              <a:schemeClr val="dk2"/>
+            </a:solidFill>
+            <a:prstDash val="solid"/>
+            <a:round/>
+            <a:headEnd type="none" w="med" len="med"/>
+            <a:tailEnd type="none" w="med" len="med"/>
+          </a:ln>
+        </p:spPr>
+      </p:cxnSp>
+      <p:cxnSp>
+        <p:nvCxnSpPr>
+          <p:cNvPr id="41" name="Google Shape;55;p13">
+            <a:extLst>
+              <a:ext uri="{FF2B5EF4-FFF2-40B4-BE49-F238E27FC236}">
+                <a16:creationId xmlns:a16="http://schemas.microsoft.com/office/drawing/2014/main" id="{8B4D08B2-5F6E-40FC-B5BA-B51409595447}"/>
+              </a:ext>
+            </a:extLst>
+          </p:cNvPr>
+          <p:cNvCxnSpPr>
+            <a:cxnSpLocks/>
+          </p:cNvCxnSpPr>
+          <p:nvPr/>
+        </p:nvCxnSpPr>
+        <p:spPr>
+          <a:xfrm>
+            <a:off x="6830787" y="6576279"/>
+            <a:ext cx="4102161" cy="0"/>
+          </a:xfrm>
+          <a:prstGeom prst="straightConnector1">
+            <a:avLst/>
+          </a:prstGeom>
+          <a:noFill/>
+          <a:ln w="38100" cap="flat" cmpd="sng">
+            <a:solidFill>
+              <a:schemeClr val="dk2"/>
+            </a:solidFill>
+            <a:prstDash val="solid"/>
+            <a:round/>
+            <a:headEnd type="none" w="med" len="med"/>
+            <a:tailEnd type="none" w="med" len="med"/>
+          </a:ln>
+        </p:spPr>
+      </p:cxnSp>
+      <p:cxnSp>
+        <p:nvCxnSpPr>
+          <p:cNvPr id="42" name="Google Shape;55;p13">
+            <a:extLst>
+              <a:ext uri="{FF2B5EF4-FFF2-40B4-BE49-F238E27FC236}">
+                <a16:creationId xmlns:a16="http://schemas.microsoft.com/office/drawing/2014/main" id="{325E5A50-4CF2-47AC-AD9C-DCA800E93E2D}"/>
+              </a:ext>
+            </a:extLst>
+          </p:cNvPr>
+          <p:cNvCxnSpPr>
+            <a:cxnSpLocks/>
+          </p:cNvCxnSpPr>
+          <p:nvPr/>
+        </p:nvCxnSpPr>
+        <p:spPr>
+          <a:xfrm>
+            <a:off x="12245385" y="6576279"/>
+            <a:ext cx="4102161" cy="0"/>
+          </a:xfrm>
+          <a:prstGeom prst="straightConnector1">
+            <a:avLst/>
+          </a:prstGeom>
+          <a:noFill/>
+          <a:ln w="38100" cap="flat" cmpd="sng">
+            <a:solidFill>
+              <a:schemeClr val="dk2"/>
+            </a:solidFill>
+            <a:prstDash val="solid"/>
+            <a:round/>
+            <a:headEnd type="none" w="med" len="med"/>
+            <a:tailEnd type="none" w="med" len="med"/>
+          </a:ln>
+        </p:spPr>
+      </p:cxnSp>
     </p:spTree>
   </p:cSld>
   <p:clrMapOvr>
@@ -14216,32 +14267,6 @@
         <p:spPr>
           <a:xfrm>
             <a:off x="1824188" y="2681096"/>
-            <a:ext cx="0" cy="4054200"/>
-          </a:xfrm>
-          <a:prstGeom prst="straightConnector1">
-            <a:avLst/>
-          </a:prstGeom>
-          <a:noFill/>
-          <a:ln w="38100" cap="flat" cmpd="sng">
-            <a:solidFill>
-              <a:schemeClr val="dk2"/>
-            </a:solidFill>
-            <a:prstDash val="solid"/>
-            <a:round/>
-            <a:headEnd type="none" w="med" len="med"/>
-            <a:tailEnd type="none" w="med" len="med"/>
-          </a:ln>
-        </p:spPr>
-      </p:cxnSp>
-      <p:cxnSp>
-        <p:nvCxnSpPr>
-          <p:cNvPr id="237" name="Google Shape;237;p16"/>
-          <p:cNvCxnSpPr/>
-          <p:nvPr/>
-        </p:nvCxnSpPr>
-        <p:spPr>
-          <a:xfrm>
-            <a:off x="3484160" y="4365382"/>
             <a:ext cx="0" cy="4054200"/>
           </a:xfrm>
           <a:prstGeom prst="straightConnector1">
@@ -14719,13 +14744,46 @@
           <a:lstStyle/>
           <a:p>
             <a:r>
-              <a:rPr lang="en-US" smtClean="0"/>
+              <a:rPr lang="en-US"/>
               <a:t>© 2021 EdgeImpulse, Inc.</a:t>
             </a:r>
-            <a:endParaRPr lang="en-US"/>
-          </a:p>
-        </p:txBody>
-      </p:sp>
+          </a:p>
+        </p:txBody>
+      </p:sp>
+      <p:cxnSp>
+        <p:nvCxnSpPr>
+          <p:cNvPr id="18" name="Google Shape;55;p13">
+            <a:extLst>
+              <a:ext uri="{FF2B5EF4-FFF2-40B4-BE49-F238E27FC236}">
+                <a16:creationId xmlns:a16="http://schemas.microsoft.com/office/drawing/2014/main" id="{90B9A859-E643-4295-97E0-3AA322C33FF7}"/>
+              </a:ext>
+            </a:extLst>
+          </p:cNvPr>
+          <p:cNvCxnSpPr>
+            <a:cxnSpLocks/>
+          </p:cNvCxnSpPr>
+          <p:nvPr/>
+        </p:nvCxnSpPr>
+        <p:spPr>
+          <a:xfrm>
+            <a:off x="1674525" y="6576279"/>
+            <a:ext cx="4102161" cy="0"/>
+          </a:xfrm>
+          <a:prstGeom prst="straightConnector1">
+            <a:avLst/>
+          </a:prstGeom>
+          <a:noFill/>
+          <a:ln w="38100" cap="flat" cmpd="sng">
+            <a:solidFill>
+              <a:schemeClr val="dk2"/>
+            </a:solidFill>
+            <a:prstDash val="solid"/>
+            <a:round/>
+            <a:headEnd type="none" w="med" len="med"/>
+            <a:tailEnd type="none" w="med" len="med"/>
+          </a:ln>
+        </p:spPr>
+      </p:cxnSp>
     </p:spTree>
   </p:cSld>
   <p:clrMapOvr>
@@ -14913,32 +14971,6 @@
         <p:spPr>
           <a:xfrm>
             <a:off x="12461113" y="2688546"/>
-            <a:ext cx="0" cy="4054200"/>
-          </a:xfrm>
-          <a:prstGeom prst="straightConnector1">
-            <a:avLst/>
-          </a:prstGeom>
-          <a:noFill/>
-          <a:ln w="38100" cap="flat" cmpd="sng">
-            <a:solidFill>
-              <a:schemeClr val="dk2"/>
-            </a:solidFill>
-            <a:prstDash val="solid"/>
-            <a:round/>
-            <a:headEnd type="none" w="med" len="med"/>
-            <a:tailEnd type="none" w="med" len="med"/>
-          </a:ln>
-        </p:spPr>
-      </p:cxnSp>
-      <p:cxnSp>
-        <p:nvCxnSpPr>
-          <p:cNvPr id="256" name="Google Shape;256;p17"/>
-          <p:cNvCxnSpPr/>
-          <p:nvPr/>
-        </p:nvCxnSpPr>
-        <p:spPr>
-          <a:xfrm>
-            <a:off x="14121085" y="4372832"/>
             <a:ext cx="0" cy="4054200"/>
           </a:xfrm>
           <a:prstGeom prst="straightConnector1">
@@ -15494,13 +15526,46 @@
           <a:lstStyle/>
           <a:p>
             <a:r>
-              <a:rPr lang="en-US" smtClean="0"/>
+              <a:rPr lang="en-US"/>
               <a:t>© 2021 EdgeImpulse, Inc.</a:t>
             </a:r>
-            <a:endParaRPr lang="en-US"/>
-          </a:p>
-        </p:txBody>
-      </p:sp>
+          </a:p>
+        </p:txBody>
+      </p:sp>
+      <p:cxnSp>
+        <p:nvCxnSpPr>
+          <p:cNvPr id="22" name="Google Shape;55;p13">
+            <a:extLst>
+              <a:ext uri="{FF2B5EF4-FFF2-40B4-BE49-F238E27FC236}">
+                <a16:creationId xmlns:a16="http://schemas.microsoft.com/office/drawing/2014/main" id="{225D8592-9F29-4081-8F3F-1242C8C1F6B0}"/>
+              </a:ext>
+            </a:extLst>
+          </p:cNvPr>
+          <p:cNvCxnSpPr>
+            <a:cxnSpLocks/>
+          </p:cNvCxnSpPr>
+          <p:nvPr/>
+        </p:nvCxnSpPr>
+        <p:spPr>
+          <a:xfrm>
+            <a:off x="12245385" y="6576279"/>
+            <a:ext cx="4102161" cy="0"/>
+          </a:xfrm>
+          <a:prstGeom prst="straightConnector1">
+            <a:avLst/>
+          </a:prstGeom>
+          <a:noFill/>
+          <a:ln w="38100" cap="flat" cmpd="sng">
+            <a:solidFill>
+              <a:schemeClr val="dk2"/>
+            </a:solidFill>
+            <a:prstDash val="solid"/>
+            <a:round/>
+            <a:headEnd type="none" w="med" len="med"/>
+            <a:tailEnd type="none" w="med" len="med"/>
+          </a:ln>
+        </p:spPr>
+      </p:cxnSp>
     </p:spTree>
   </p:cSld>
   <p:clrMapOvr>
